--- a/src/Docs/primitives/RdoDataArchitecture.pptx
+++ b/src/Docs/primitives/RdoDataArchitecture.pptx
@@ -243,7 +243,7 @@
           <a:p>
             <a:fld id="{D72F969A-67B8-48B0-A0A0-B2A3ACEEC22C}" type="datetimeFigureOut">
               <a:rPr lang="en-US" smtClean="0"/>
-              <a:t>9/9/2019</a:t>
+              <a:t>10/10/2019</a:t>
             </a:fld>
             <a:endParaRPr lang="en-US"/>
           </a:p>
@@ -413,7 +413,7 @@
           <a:p>
             <a:fld id="{D72F969A-67B8-48B0-A0A0-B2A3ACEEC22C}" type="datetimeFigureOut">
               <a:rPr lang="en-US" smtClean="0"/>
-              <a:t>9/9/2019</a:t>
+              <a:t>10/10/2019</a:t>
             </a:fld>
             <a:endParaRPr lang="en-US"/>
           </a:p>
@@ -593,7 +593,7 @@
           <a:p>
             <a:fld id="{D72F969A-67B8-48B0-A0A0-B2A3ACEEC22C}" type="datetimeFigureOut">
               <a:rPr lang="en-US" smtClean="0"/>
-              <a:t>9/9/2019</a:t>
+              <a:t>10/10/2019</a:t>
             </a:fld>
             <a:endParaRPr lang="en-US"/>
           </a:p>
@@ -763,7 +763,7 @@
           <a:p>
             <a:fld id="{D72F969A-67B8-48B0-A0A0-B2A3ACEEC22C}" type="datetimeFigureOut">
               <a:rPr lang="en-US" smtClean="0"/>
-              <a:t>9/9/2019</a:t>
+              <a:t>10/10/2019</a:t>
             </a:fld>
             <a:endParaRPr lang="en-US"/>
           </a:p>
@@ -1009,7 +1009,7 @@
           <a:p>
             <a:fld id="{D72F969A-67B8-48B0-A0A0-B2A3ACEEC22C}" type="datetimeFigureOut">
               <a:rPr lang="en-US" smtClean="0"/>
-              <a:t>9/9/2019</a:t>
+              <a:t>10/10/2019</a:t>
             </a:fld>
             <a:endParaRPr lang="en-US"/>
           </a:p>
@@ -1241,7 +1241,7 @@
           <a:p>
             <a:fld id="{D72F969A-67B8-48B0-A0A0-B2A3ACEEC22C}" type="datetimeFigureOut">
               <a:rPr lang="en-US" smtClean="0"/>
-              <a:t>9/9/2019</a:t>
+              <a:t>10/10/2019</a:t>
             </a:fld>
             <a:endParaRPr lang="en-US"/>
           </a:p>
@@ -1608,7 +1608,7 @@
           <a:p>
             <a:fld id="{D72F969A-67B8-48B0-A0A0-B2A3ACEEC22C}" type="datetimeFigureOut">
               <a:rPr lang="en-US" smtClean="0"/>
-              <a:t>9/9/2019</a:t>
+              <a:t>10/10/2019</a:t>
             </a:fld>
             <a:endParaRPr lang="en-US"/>
           </a:p>
@@ -1726,7 +1726,7 @@
           <a:p>
             <a:fld id="{D72F969A-67B8-48B0-A0A0-B2A3ACEEC22C}" type="datetimeFigureOut">
               <a:rPr lang="en-US" smtClean="0"/>
-              <a:t>9/9/2019</a:t>
+              <a:t>10/10/2019</a:t>
             </a:fld>
             <a:endParaRPr lang="en-US"/>
           </a:p>
@@ -1821,7 +1821,7 @@
           <a:p>
             <a:fld id="{D72F969A-67B8-48B0-A0A0-B2A3ACEEC22C}" type="datetimeFigureOut">
               <a:rPr lang="en-US" smtClean="0"/>
-              <a:t>9/9/2019</a:t>
+              <a:t>10/10/2019</a:t>
             </a:fld>
             <a:endParaRPr lang="en-US"/>
           </a:p>
@@ -2098,7 +2098,7 @@
           <a:p>
             <a:fld id="{D72F969A-67B8-48B0-A0A0-B2A3ACEEC22C}" type="datetimeFigureOut">
               <a:rPr lang="en-US" smtClean="0"/>
-              <a:t>9/9/2019</a:t>
+              <a:t>10/10/2019</a:t>
             </a:fld>
             <a:endParaRPr lang="en-US"/>
           </a:p>
@@ -2351,7 +2351,7 @@
           <a:p>
             <a:fld id="{D72F969A-67B8-48B0-A0A0-B2A3ACEEC22C}" type="datetimeFigureOut">
               <a:rPr lang="en-US" smtClean="0"/>
-              <a:t>9/9/2019</a:t>
+              <a:t>10/10/2019</a:t>
             </a:fld>
             <a:endParaRPr lang="en-US"/>
           </a:p>
@@ -2564,7 +2564,7 @@
           <a:p>
             <a:fld id="{D72F969A-67B8-48B0-A0A0-B2A3ACEEC22C}" type="datetimeFigureOut">
               <a:rPr lang="en-US" smtClean="0"/>
-              <a:t>9/9/2019</a:t>
+              <a:t>10/10/2019</a:t>
             </a:fld>
             <a:endParaRPr lang="en-US"/>
           </a:p>
@@ -3678,8 +3678,8 @@
         </p:nvSpPr>
         <p:spPr>
           <a:xfrm>
-            <a:off x="4778193" y="563300"/>
-            <a:ext cx="2460807" cy="1220676"/>
+            <a:off x="4563039" y="563300"/>
+            <a:ext cx="2675961" cy="1220676"/>
           </a:xfrm>
           <a:prstGeom prst="rect">
             <a:avLst/>
@@ -3813,8 +3813,8 @@
         </p:nvSpPr>
         <p:spPr>
           <a:xfrm>
-            <a:off x="4563039" y="2159016"/>
-            <a:ext cx="2675961" cy="4250747"/>
+            <a:off x="4563039" y="2545976"/>
+            <a:ext cx="2675961" cy="3863787"/>
           </a:xfrm>
           <a:prstGeom prst="rect">
             <a:avLst/>
@@ -3874,8 +3874,8 @@
         </p:nvSpPr>
         <p:spPr>
           <a:xfrm>
-            <a:off x="4894734" y="2741723"/>
-            <a:ext cx="1958784" cy="1540455"/>
+            <a:off x="4894734" y="3389763"/>
+            <a:ext cx="2008668" cy="1171796"/>
           </a:xfrm>
           <a:prstGeom prst="rect">
             <a:avLst/>
@@ -3911,8 +3911,8 @@
         </p:nvSpPr>
         <p:spPr>
           <a:xfrm>
-            <a:off x="4778193" y="2634147"/>
-            <a:ext cx="1927407" cy="1540455"/>
+            <a:off x="4778193" y="3141390"/>
+            <a:ext cx="2014143" cy="1230586"/>
           </a:xfrm>
           <a:prstGeom prst="rect">
             <a:avLst/>
@@ -3946,9 +3946,27 @@
                   <a:schemeClr val="bg1"/>
                 </a:solidFill>
               </a:rPr>
-              <a:t>&lt;T&gt;</a:t>
-            </a:r>
-            <a:endParaRPr lang="en-US" dirty="0">
+              <a:t>&lt;T</a:t>
+            </a:r>
+            <a:r>
+              <a:rPr lang="en-US" dirty="0" smtClean="0">
+                <a:solidFill>
+                  <a:schemeClr val="bg1"/>
+                </a:solidFill>
+              </a:rPr>
+              <a:t>&gt;</a:t>
+            </a:r>
+          </a:p>
+          <a:p>
+            <a:r>
+              <a:rPr lang="en-US" sz="1400" dirty="0" smtClean="0">
+                <a:solidFill>
+                  <a:schemeClr val="bg1"/>
+                </a:solidFill>
+              </a:rPr>
+              <a:t>(Permanent/ temporary)</a:t>
+            </a:r>
+            <a:endParaRPr lang="en-US" sz="1400" dirty="0">
               <a:solidFill>
                 <a:schemeClr val="bg1"/>
               </a:solidFill>
@@ -3964,8 +3982,8 @@
         </p:nvSpPr>
         <p:spPr>
           <a:xfrm>
-            <a:off x="4894734" y="4623572"/>
-            <a:ext cx="1958784" cy="1540455"/>
+            <a:off x="4894734" y="4966447"/>
+            <a:ext cx="2026020" cy="1197580"/>
           </a:xfrm>
           <a:prstGeom prst="rect">
             <a:avLst/>
@@ -4001,8 +4019,8 @@
         </p:nvSpPr>
         <p:spPr>
           <a:xfrm>
-            <a:off x="4778193" y="4515996"/>
-            <a:ext cx="1927407" cy="1540455"/>
+            <a:off x="4778193" y="4817314"/>
+            <a:ext cx="2014143" cy="1239137"/>
           </a:xfrm>
           <a:prstGeom prst="rect">
             <a:avLst/>
@@ -4036,9 +4054,43 @@
                   <a:schemeClr val="bg1"/>
                 </a:solidFill>
               </a:rPr>
-              <a:t>&lt;T&gt;</a:t>
-            </a:r>
-            <a:endParaRPr lang="en-US" dirty="0">
+              <a:t>&lt;T</a:t>
+            </a:r>
+            <a:r>
+              <a:rPr lang="en-US" dirty="0" smtClean="0">
+                <a:solidFill>
+                  <a:schemeClr val="bg1"/>
+                </a:solidFill>
+              </a:rPr>
+              <a:t>&gt;</a:t>
+            </a:r>
+          </a:p>
+          <a:p>
+            <a:r>
+              <a:rPr lang="en-US" sz="1400" dirty="0" smtClean="0">
+                <a:solidFill>
+                  <a:schemeClr val="bg1"/>
+                </a:solidFill>
+              </a:rPr>
+              <a:t>(</a:t>
+            </a:r>
+            <a:r>
+              <a:rPr lang="en-US" sz="1400" dirty="0" err="1" smtClean="0">
+                <a:solidFill>
+                  <a:schemeClr val="bg1"/>
+                </a:solidFill>
+              </a:rPr>
+              <a:t>Readonly</a:t>
+            </a:r>
+            <a:r>
+              <a:rPr lang="en-US" sz="1400" dirty="0" smtClean="0">
+                <a:solidFill>
+                  <a:schemeClr val="bg1"/>
+                </a:solidFill>
+              </a:rPr>
+              <a:t>)</a:t>
+            </a:r>
+            <a:endParaRPr lang="en-US" sz="1400" dirty="0">
               <a:solidFill>
                 <a:schemeClr val="bg1"/>
               </a:solidFill>
@@ -4102,7 +4154,7 @@
         </p:nvSpPr>
         <p:spPr>
           <a:xfrm rot="16200000">
-            <a:off x="3626151" y="2853524"/>
+            <a:off x="3613751" y="3217940"/>
             <a:ext cx="1102847" cy="1051049"/>
           </a:xfrm>
           <a:prstGeom prst="downArrow">
@@ -4254,7 +4306,7 @@
         </p:blipFill>
         <p:spPr bwMode="auto">
           <a:xfrm>
-            <a:off x="6891337" y="2220874"/>
+            <a:off x="6752536" y="2719265"/>
             <a:ext cx="201963" cy="201963"/>
           </a:xfrm>
           <a:prstGeom prst="rect">
@@ -4295,7 +4347,7 @@
         </p:blipFill>
         <p:spPr bwMode="auto">
           <a:xfrm>
-            <a:off x="5784497" y="6532403"/>
+            <a:off x="972418" y="6547880"/>
             <a:ext cx="201963" cy="201963"/>
           </a:xfrm>
           <a:prstGeom prst="rect">
@@ -4321,8 +4373,8 @@
         </p:nvSpPr>
         <p:spPr>
           <a:xfrm>
-            <a:off x="5972700" y="6505421"/>
-            <a:ext cx="1347263" cy="246221"/>
+            <a:off x="1218405" y="6528576"/>
+            <a:ext cx="2233264" cy="246221"/>
           </a:xfrm>
           <a:prstGeom prst="rect">
             <a:avLst/>
@@ -4341,9 +4393,271 @@
             </a:r>
             <a:r>
               <a:rPr lang="en-US" sz="1000" dirty="0" smtClean="0"/>
-              <a:t>designer</a:t>
+              <a:t>designer/tools support</a:t>
             </a:r>
             <a:endParaRPr lang="en-US" sz="1000" dirty="0"/>
+          </a:p>
+        </p:txBody>
+      </p:sp>
+      <p:sp>
+        <p:nvSpPr>
+          <p:cNvPr id="2" name="Up-Down Arrow 1"/>
+          <p:cNvSpPr/>
+          <p:nvPr/>
+        </p:nvSpPr>
+        <p:spPr>
+          <a:xfrm>
+            <a:off x="5614088" y="1787482"/>
+            <a:ext cx="372372" cy="758493"/>
+          </a:xfrm>
+          <a:prstGeom prst="upDownArrow">
+            <a:avLst/>
+          </a:prstGeom>
+        </p:spPr>
+        <p:style>
+          <a:lnRef idx="2">
+            <a:schemeClr val="accent1">
+              <a:shade val="50000"/>
+            </a:schemeClr>
+          </a:lnRef>
+          <a:fillRef idx="1">
+            <a:schemeClr val="accent1"/>
+          </a:fillRef>
+          <a:effectRef idx="0">
+            <a:schemeClr val="accent1"/>
+          </a:effectRef>
+          <a:fontRef idx="minor">
+            <a:schemeClr val="lt1"/>
+          </a:fontRef>
+        </p:style>
+        <p:txBody>
+          <a:bodyPr rtlCol="0" anchor="ctr"/>
+          <a:lstStyle/>
+          <a:p>
+            <a:pPr algn="ctr"/>
+            <a:endParaRPr lang="en-US"/>
+          </a:p>
+        </p:txBody>
+      </p:sp>
+      <p:sp>
+        <p:nvSpPr>
+          <p:cNvPr id="3" name="TextBox 2"/>
+          <p:cNvSpPr txBox="1"/>
+          <p:nvPr/>
+        </p:nvSpPr>
+        <p:spPr>
+          <a:xfrm>
+            <a:off x="5857339" y="1967560"/>
+            <a:ext cx="1703095" cy="369332"/>
+          </a:xfrm>
+          <a:prstGeom prst="rect">
+            <a:avLst/>
+          </a:prstGeom>
+          <a:noFill/>
+        </p:spPr>
+        <p:txBody>
+          <a:bodyPr wrap="none" rtlCol="0">
+            <a:spAutoFit/>
+          </a:bodyPr>
+          <a:lstStyle/>
+          <a:p>
+            <a:r>
+              <a:rPr lang="en-US" dirty="0" smtClean="0"/>
+              <a:t>Set-based CRUD</a:t>
+            </a:r>
+            <a:endParaRPr lang="en-US" dirty="0"/>
+          </a:p>
+        </p:txBody>
+      </p:sp>
+      <p:pic>
+        <p:nvPicPr>
+          <p:cNvPr id="4" name="Picture 3"/>
+          <p:cNvPicPr>
+            <a:picLocks noChangeAspect="1"/>
+          </p:cNvPicPr>
+          <p:nvPr/>
+        </p:nvPicPr>
+        <p:blipFill>
+          <a:blip r:embed="rId3" cstate="print">
+            <a:extLst>
+              <a:ext uri="{28A0092B-C50C-407E-A947-70E740481C1C}">
+                <a14:useLocalDpi xmlns:a14="http://schemas.microsoft.com/office/drawing/2010/main" val="0"/>
+              </a:ext>
+            </a:extLst>
+          </a:blip>
+          <a:stretch>
+            <a:fillRect/>
+          </a:stretch>
+        </p:blipFill>
+        <p:spPr>
+          <a:xfrm>
+            <a:off x="9164257" y="3886521"/>
+            <a:ext cx="762243" cy="930793"/>
+          </a:xfrm>
+          <a:prstGeom prst="rect">
+            <a:avLst/>
+          </a:prstGeom>
+        </p:spPr>
+      </p:pic>
+      <p:sp>
+        <p:nvSpPr>
+          <p:cNvPr id="40" name="TextBox 39"/>
+          <p:cNvSpPr txBox="1"/>
+          <p:nvPr/>
+        </p:nvSpPr>
+        <p:spPr>
+          <a:xfrm>
+            <a:off x="7929759" y="3886932"/>
+            <a:ext cx="543739" cy="369332"/>
+          </a:xfrm>
+          <a:prstGeom prst="rect">
+            <a:avLst/>
+          </a:prstGeom>
+          <a:noFill/>
+        </p:spPr>
+        <p:txBody>
+          <a:bodyPr wrap="none" rtlCol="0">
+            <a:spAutoFit/>
+          </a:bodyPr>
+          <a:lstStyle/>
+          <a:p>
+            <a:r>
+              <a:rPr lang="en-US" dirty="0" smtClean="0"/>
+              <a:t>SQL</a:t>
+            </a:r>
+            <a:endParaRPr lang="en-US" dirty="0"/>
+          </a:p>
+        </p:txBody>
+      </p:sp>
+      <p:sp>
+        <p:nvSpPr>
+          <p:cNvPr id="8" name="Right Arrow 7"/>
+          <p:cNvSpPr/>
+          <p:nvPr/>
+        </p:nvSpPr>
+        <p:spPr>
+          <a:xfrm>
+            <a:off x="7399154" y="4159272"/>
+            <a:ext cx="1681162" cy="469151"/>
+          </a:xfrm>
+          <a:prstGeom prst="rightArrow">
+            <a:avLst/>
+          </a:prstGeom>
+          <a:solidFill>
+            <a:schemeClr val="accent1"/>
+          </a:solidFill>
+          <a:ln>
+            <a:solidFill>
+              <a:schemeClr val="accent1">
+                <a:shade val="50000"/>
+              </a:schemeClr>
+            </a:solidFill>
+            <a:prstDash val="solid"/>
+          </a:ln>
+        </p:spPr>
+        <p:style>
+          <a:lnRef idx="2">
+            <a:schemeClr val="accent1">
+              <a:shade val="50000"/>
+            </a:schemeClr>
+          </a:lnRef>
+          <a:fillRef idx="1">
+            <a:schemeClr val="accent1"/>
+          </a:fillRef>
+          <a:effectRef idx="0">
+            <a:schemeClr val="accent1"/>
+          </a:effectRef>
+          <a:fontRef idx="minor">
+            <a:schemeClr val="lt1"/>
+          </a:fontRef>
+        </p:style>
+        <p:txBody>
+          <a:bodyPr rtlCol="0" anchor="ctr"/>
+          <a:lstStyle/>
+          <a:p>
+            <a:pPr algn="ctr"/>
+            <a:endParaRPr lang="en-US"/>
+          </a:p>
+        </p:txBody>
+      </p:sp>
+      <p:pic>
+        <p:nvPicPr>
+          <p:cNvPr id="1026" name="Picture 2" descr="See the source image"/>
+          <p:cNvPicPr>
+            <a:picLocks noChangeAspect="1" noChangeArrowheads="1"/>
+          </p:cNvPicPr>
+          <p:nvPr/>
+        </p:nvPicPr>
+        <p:blipFill>
+          <a:blip r:embed="rId4" cstate="print">
+            <a:extLst>
+              <a:ext uri="{28A0092B-C50C-407E-A947-70E740481C1C}">
+                <a14:useLocalDpi xmlns:a14="http://schemas.microsoft.com/office/drawing/2010/main" val="0"/>
+              </a:ext>
+            </a:extLst>
+          </a:blip>
+          <a:srcRect/>
+          <a:stretch>
+            <a:fillRect/>
+          </a:stretch>
+        </p:blipFill>
+        <p:spPr bwMode="auto">
+          <a:xfrm>
+            <a:off x="9115424" y="645640"/>
+            <a:ext cx="803868" cy="872336"/>
+          </a:xfrm>
+          <a:prstGeom prst="rect">
+            <a:avLst/>
+          </a:prstGeom>
+          <a:noFill/>
+          <a:extLst>
+            <a:ext uri="{909E8E84-426E-40DD-AFC4-6F175D3DCCD1}">
+              <a14:hiddenFill xmlns:a14="http://schemas.microsoft.com/office/drawing/2010/main">
+                <a:solidFill>
+                  <a:srgbClr val="FFFFFF"/>
+                </a:solidFill>
+              </a14:hiddenFill>
+            </a:ext>
+          </a:extLst>
+        </p:spPr>
+      </p:pic>
+      <p:sp>
+        <p:nvSpPr>
+          <p:cNvPr id="9" name="Left-Right Arrow 8"/>
+          <p:cNvSpPr/>
+          <p:nvPr/>
+        </p:nvSpPr>
+        <p:spPr>
+          <a:xfrm>
+            <a:off x="7399153" y="888701"/>
+            <a:ext cx="1716271" cy="484632"/>
+          </a:xfrm>
+          <a:prstGeom prst="leftRightArrow">
+            <a:avLst/>
+          </a:prstGeom>
+        </p:spPr>
+        <p:style>
+          <a:lnRef idx="2">
+            <a:schemeClr val="accent1">
+              <a:shade val="50000"/>
+            </a:schemeClr>
+          </a:lnRef>
+          <a:fillRef idx="1">
+            <a:schemeClr val="accent1"/>
+          </a:fillRef>
+          <a:effectRef idx="0">
+            <a:schemeClr val="accent1"/>
+          </a:effectRef>
+          <a:fontRef idx="minor">
+            <a:schemeClr val="lt1"/>
+          </a:fontRef>
+        </p:style>
+        <p:txBody>
+          <a:bodyPr rtlCol="0" anchor="ctr"/>
+          <a:lstStyle/>
+          <a:p>
+            <a:pPr algn="ctr"/>
+            <a:endParaRPr lang="en-US"/>
           </a:p>
         </p:txBody>
       </p:sp>
